--- a/AndrzejSzomszorProtractorPresentation.pptx
+++ b/AndrzejSzomszorProtractorPresentation.pptx
@@ -40,26 +40,26 @@
   <p:notesSz cx="6858000" cy="9144000"/>
   <p:embeddedFontLst>
     <p:embeddedFont>
-      <p:font typeface="Nunito Sans" panose="020B0604020202020204" charset="-18"/>
+      <p:font typeface="Georgia" panose="02040502050405020303" pitchFamily="18" charset="0"/>
       <p:regular r:id="rId28"/>
       <p:bold r:id="rId29"/>
       <p:italic r:id="rId30"/>
       <p:boldItalic r:id="rId31"/>
     </p:embeddedFont>
     <p:embeddedFont>
+      <p:font typeface="Nunito Sans" panose="020B0604020202020204" charset="-18"/>
+      <p:regular r:id="rId32"/>
+      <p:bold r:id="rId33"/>
+      <p:italic r:id="rId34"/>
+      <p:boldItalic r:id="rId35"/>
+    </p:embeddedFont>
+    <p:embeddedFont>
       <p:font typeface="Calibri Light" panose="020F0302020204030204" pitchFamily="34" charset="0"/>
-      <p:regular r:id="rId32"/>
-      <p:italic r:id="rId33"/>
+      <p:regular r:id="rId36"/>
+      <p:italic r:id="rId37"/>
     </p:embeddedFont>
     <p:embeddedFont>
       <p:font typeface="Calibri" panose="020F0502020204030204" pitchFamily="34" charset="0"/>
-      <p:regular r:id="rId34"/>
-      <p:bold r:id="rId35"/>
-      <p:italic r:id="rId36"/>
-      <p:boldItalic r:id="rId37"/>
-    </p:embeddedFont>
-    <p:embeddedFont>
-      <p:font typeface="Georgia" panose="02040502050405020303" pitchFamily="18" charset="0"/>
       <p:regular r:id="rId38"/>
       <p:bold r:id="rId39"/>
       <p:italic r:id="rId40"/>
@@ -361,34 +361,6 @@
 </p:cmAuthorLst>
 </file>
 
-<file path=ppt/comments/comment1.xml><?xml version="1.0" encoding="utf-8"?>
-<p:cmLst xmlns:a="http://schemas.openxmlformats.org/drawingml/2006/main" xmlns:r="http://schemas.openxmlformats.org/officeDocument/2006/relationships" xmlns:p="http://schemas.openxmlformats.org/presentationml/2006/main">
-  <p:cm authorId="1" dt="2019-01-07T20:15:57.685" idx="15">
-    <p:pos x="3744" y="488"/>
-    <p:text>o widzisz dopiero w 18 slajdzie wyjaśniasz coś czego używałeś wcześniej</p:text>
-    <p:extLst>
-      <p:ext uri="{C676402C-5697-4E1C-873F-D02D1690AC5C}">
-        <p15:threadingInfo xmlns:p15="http://schemas.microsoft.com/office/powerpoint/2012/main" timeZoneBias="-60"/>
-      </p:ext>
-    </p:extLst>
-  </p:cm>
-</p:cmLst>
-</file>
-
-<file path=ppt/comments/comment2.xml><?xml version="1.0" encoding="utf-8"?>
-<p:cmLst xmlns:a="http://schemas.openxmlformats.org/drawingml/2006/main" xmlns:r="http://schemas.openxmlformats.org/officeDocument/2006/relationships" xmlns:p="http://schemas.openxmlformats.org/presentationml/2006/main">
-  <p:cm authorId="1" dt="2019-01-07T20:17:46.564" idx="17">
-    <p:pos x="2948" y="1968"/>
-    <p:text>pod koniec ma być pizza, także może zamiast kawy pizza ? :D</p:text>
-    <p:extLst>
-      <p:ext uri="{C676402C-5697-4E1C-873F-D02D1690AC5C}">
-        <p15:threadingInfo xmlns:p15="http://schemas.microsoft.com/office/powerpoint/2012/main" timeZoneBias="-60"/>
-      </p:ext>
-    </p:extLst>
-  </p:cm>
-</p:cmLst>
-</file>
-
 <file path=ppt/handoutMasters/handoutMaster1.xml><?xml version="1.0" encoding="utf-8"?>
 <p:handoutMaster xmlns:a="http://schemas.openxmlformats.org/drawingml/2006/main" xmlns:r="http://schemas.openxmlformats.org/officeDocument/2006/relationships" xmlns:p="http://schemas.openxmlformats.org/presentationml/2006/main">
   <p:cSld>
@@ -471,7 +443,7 @@
           <a:p>
             <a:fld id="{C10886B7-CE58-4EAA-9B0A-F56E3C112A94}" type="datetimeFigureOut">
               <a:rPr lang="pl-PL" smtClean="0"/>
-              <a:t>18.01.2019</a:t>
+              <a:t>03.10.2019</a:t>
             </a:fld>
             <a:endParaRPr lang="pl-PL"/>
           </a:p>
@@ -2554,7 +2526,7 @@
           <a:p>
             <a:fld id="{DB6A857C-CDC9-48E2-ACEE-19375ACF37F8}" type="datetimeFigureOut">
               <a:rPr lang="pl-PL" smtClean="0"/>
-              <a:t>18.01.2019</a:t>
+              <a:t>03.10.2019</a:t>
             </a:fld>
             <a:endParaRPr lang="pl-PL"/>
           </a:p>
@@ -2921,7 +2893,7 @@
           <a:p>
             <a:fld id="{DB6A857C-CDC9-48E2-ACEE-19375ACF37F8}" type="datetimeFigureOut">
               <a:rPr lang="pl-PL" smtClean="0"/>
-              <a:t>18.01.2019</a:t>
+              <a:t>03.10.2019</a:t>
             </a:fld>
             <a:endParaRPr lang="pl-PL"/>
           </a:p>
@@ -3039,7 +3011,7 @@
           <a:p>
             <a:fld id="{DB6A857C-CDC9-48E2-ACEE-19375ACF37F8}" type="datetimeFigureOut">
               <a:rPr lang="pl-PL" smtClean="0"/>
-              <a:t>18.01.2019</a:t>
+              <a:t>03.10.2019</a:t>
             </a:fld>
             <a:endParaRPr lang="pl-PL"/>
           </a:p>
@@ -3134,7 +3106,7 @@
           <a:p>
             <a:fld id="{DB6A857C-CDC9-48E2-ACEE-19375ACF37F8}" type="datetimeFigureOut">
               <a:rPr lang="pl-PL" smtClean="0"/>
-              <a:t>18.01.2019</a:t>
+              <a:t>03.10.2019</a:t>
             </a:fld>
             <a:endParaRPr lang="pl-PL"/>
           </a:p>
@@ -3411,7 +3383,7 @@
           <a:p>
             <a:fld id="{DB6A857C-CDC9-48E2-ACEE-19375ACF37F8}" type="datetimeFigureOut">
               <a:rPr lang="pl-PL" smtClean="0"/>
-              <a:t>18.01.2019</a:t>
+              <a:t>03.10.2019</a:t>
             </a:fld>
             <a:endParaRPr lang="pl-PL"/>
           </a:p>
@@ -3664,7 +3636,7 @@
           <a:p>
             <a:fld id="{DB6A857C-CDC9-48E2-ACEE-19375ACF37F8}" type="datetimeFigureOut">
               <a:rPr lang="pl-PL" smtClean="0"/>
-              <a:t>18.01.2019</a:t>
+              <a:t>03.10.2019</a:t>
             </a:fld>
             <a:endParaRPr lang="pl-PL"/>
           </a:p>
@@ -3834,7 +3806,7 @@
           <a:p>
             <a:fld id="{DB6A857C-CDC9-48E2-ACEE-19375ACF37F8}" type="datetimeFigureOut">
               <a:rPr lang="pl-PL" smtClean="0"/>
-              <a:t>18.01.2019</a:t>
+              <a:t>03.10.2019</a:t>
             </a:fld>
             <a:endParaRPr lang="pl-PL"/>
           </a:p>
@@ -4014,7 +3986,7 @@
           <a:p>
             <a:fld id="{DB6A857C-CDC9-48E2-ACEE-19375ACF37F8}" type="datetimeFigureOut">
               <a:rPr lang="pl-PL" smtClean="0"/>
-              <a:t>18.01.2019</a:t>
+              <a:t>03.10.2019</a:t>
             </a:fld>
             <a:endParaRPr lang="pl-PL"/>
           </a:p>
@@ -6810,7 +6782,7 @@
           <a:p>
             <a:fld id="{DB6A857C-CDC9-48E2-ACEE-19375ACF37F8}" type="datetimeFigureOut">
               <a:rPr lang="pl-PL" smtClean="0"/>
-              <a:t>18.01.2019</a:t>
+              <a:t>03.10.2019</a:t>
             </a:fld>
             <a:endParaRPr lang="pl-PL"/>
           </a:p>
@@ -6980,7 +6952,7 @@
           <a:p>
             <a:fld id="{DB6A857C-CDC9-48E2-ACEE-19375ACF37F8}" type="datetimeFigureOut">
               <a:rPr lang="pl-PL" smtClean="0"/>
-              <a:t>18.01.2019</a:t>
+              <a:t>03.10.2019</a:t>
             </a:fld>
             <a:endParaRPr lang="pl-PL"/>
           </a:p>
@@ -7226,7 +7198,7 @@
           <a:p>
             <a:fld id="{DB6A857C-CDC9-48E2-ACEE-19375ACF37F8}" type="datetimeFigureOut">
               <a:rPr lang="pl-PL" smtClean="0"/>
-              <a:t>18.01.2019</a:t>
+              <a:t>03.10.2019</a:t>
             </a:fld>
             <a:endParaRPr lang="pl-PL"/>
           </a:p>
@@ -8831,7 +8803,7 @@
           <a:p>
             <a:fld id="{DB6A857C-CDC9-48E2-ACEE-19375ACF37F8}" type="datetimeFigureOut">
               <a:rPr lang="pl-PL" smtClean="0"/>
-              <a:t>18.01.2019</a:t>
+              <a:t>03.10.2019</a:t>
             </a:fld>
             <a:endParaRPr lang="pl-PL"/>
           </a:p>
